--- a/PPTs/03 Introducing React.pptx
+++ b/PPTs/03 Introducing React.pptx
@@ -5859,7 +5859,7 @@
             <a:fld id="{BC6FC07C-0485-40B9-BC68-01FB6F3C1F19}" type="datetimeFigureOut">
               <a:rPr lang="en-US" smtClean="0"/>
               <a:pPr/>
-              <a:t>9/30/2018</a:t>
+              <a:t>10/3/2018</a:t>
             </a:fld>
             <a:endParaRPr lang="en-US"/>
           </a:p>
